--- a/Reports/230_presentation.pptx
+++ b/Reports/230_presentation.pptx
@@ -180,7 +180,7 @@
           <a:noFill/>
           <a:extLst>
             <a:ext uri="{909E8E84-426E-40dd-AFC4-6F175D3DCCD1}">
-              <a14:hiddenFill xmlns="" xmlns:a14="http://schemas.microsoft.com/office/drawing/2010/main">
+              <a14:hiddenFill xmlns:a14="http://schemas.microsoft.com/office/drawing/2010/main" xmlns="">
                 <a:solidFill>
                   <a:srgbClr val="FFFFFF"/>
                 </a:solidFill>
@@ -239,7 +239,7 @@
             </a:ln>
             <a:extLst>
               <a:ext uri="{91240B29-F687-4f45-9708-019B960494DF}">
-                <a14:hiddenLine xmlns="" xmlns:a14="http://schemas.microsoft.com/office/drawing/2010/main" w="9525">
+                <a14:hiddenLine xmlns:a14="http://schemas.microsoft.com/office/drawing/2010/main" xmlns="" w="9525">
                   <a:solidFill>
                     <a:srgbClr val="000000"/>
                   </a:solidFill>
@@ -329,7 +329,7 @@
             </a:ln>
             <a:extLst>
               <a:ext uri="{91240B29-F687-4f45-9708-019B960494DF}">
-                <a14:hiddenLine xmlns="" xmlns:a14="http://schemas.microsoft.com/office/drawing/2010/main" w="9525">
+                <a14:hiddenLine xmlns:a14="http://schemas.microsoft.com/office/drawing/2010/main" xmlns="" w="9525">
                   <a:solidFill>
                     <a:srgbClr val="000000"/>
                   </a:solidFill>
@@ -419,7 +419,7 @@
             </a:ln>
             <a:extLst>
               <a:ext uri="{91240B29-F687-4f45-9708-019B960494DF}">
-                <a14:hiddenLine xmlns="" xmlns:a14="http://schemas.microsoft.com/office/drawing/2010/main" w="9525">
+                <a14:hiddenLine xmlns:a14="http://schemas.microsoft.com/office/drawing/2010/main" xmlns="" w="9525">
                   <a:solidFill>
                     <a:srgbClr val="000000"/>
                   </a:solidFill>
@@ -453,7 +453,7 @@
             </a:ln>
             <a:extLst>
               <a:ext uri="{91240B29-F687-4f45-9708-019B960494DF}">
-                <a14:hiddenLine xmlns="" xmlns:a14="http://schemas.microsoft.com/office/drawing/2010/main" w="9525">
+                <a14:hiddenLine xmlns:a14="http://schemas.microsoft.com/office/drawing/2010/main" xmlns="" w="9525">
                   <a:solidFill>
                     <a:srgbClr val="000000"/>
                   </a:solidFill>
@@ -543,7 +543,7 @@
             </a:ln>
             <a:extLst>
               <a:ext uri="{91240B29-F687-4f45-9708-019B960494DF}">
-                <a14:hiddenLine xmlns="" xmlns:a14="http://schemas.microsoft.com/office/drawing/2010/main" w="9525">
+                <a14:hiddenLine xmlns:a14="http://schemas.microsoft.com/office/drawing/2010/main" xmlns="" w="9525">
                   <a:solidFill>
                     <a:srgbClr val="000000"/>
                   </a:solidFill>
@@ -605,7 +605,7 @@
             </a:ln>
             <a:extLst>
               <a:ext uri="{91240B29-F687-4f45-9708-019B960494DF}">
-                <a14:hiddenLine xmlns="" xmlns:a14="http://schemas.microsoft.com/office/drawing/2010/main" w="9525">
+                <a14:hiddenLine xmlns:a14="http://schemas.microsoft.com/office/drawing/2010/main" xmlns="" w="9525">
                   <a:solidFill>
                     <a:srgbClr val="000000"/>
                   </a:solidFill>
@@ -667,7 +667,7 @@
             </a:ln>
             <a:extLst>
               <a:ext uri="{91240B29-F687-4f45-9708-019B960494DF}">
-                <a14:hiddenLine xmlns="" xmlns:a14="http://schemas.microsoft.com/office/drawing/2010/main" w="9525">
+                <a14:hiddenLine xmlns:a14="http://schemas.microsoft.com/office/drawing/2010/main" xmlns="" w="9525">
                   <a:solidFill>
                     <a:srgbClr val="000000"/>
                   </a:solidFill>
@@ -757,7 +757,7 @@
             </a:ln>
             <a:extLst>
               <a:ext uri="{91240B29-F687-4f45-9708-019B960494DF}">
-                <a14:hiddenLine xmlns="" xmlns:a14="http://schemas.microsoft.com/office/drawing/2010/main" w="9525">
+                <a14:hiddenLine xmlns:a14="http://schemas.microsoft.com/office/drawing/2010/main" xmlns="" w="9525">
                   <a:solidFill>
                     <a:srgbClr val="000000"/>
                   </a:solidFill>
@@ -819,7 +819,7 @@
             </a:ln>
             <a:extLst>
               <a:ext uri="{91240B29-F687-4f45-9708-019B960494DF}">
-                <a14:hiddenLine xmlns="" xmlns:a14="http://schemas.microsoft.com/office/drawing/2010/main" w="9525">
+                <a14:hiddenLine xmlns:a14="http://schemas.microsoft.com/office/drawing/2010/main" xmlns="" w="9525">
                   <a:solidFill>
                     <a:srgbClr val="000000"/>
                   </a:solidFill>
@@ -881,7 +881,7 @@
             </a:ln>
             <a:extLst>
               <a:ext uri="{91240B29-F687-4f45-9708-019B960494DF}">
-                <a14:hiddenLine xmlns="" xmlns:a14="http://schemas.microsoft.com/office/drawing/2010/main" w="9525">
+                <a14:hiddenLine xmlns:a14="http://schemas.microsoft.com/office/drawing/2010/main" xmlns="" w="9525">
                   <a:solidFill>
                     <a:srgbClr val="000000"/>
                   </a:solidFill>
@@ -971,7 +971,7 @@
             </a:ln>
             <a:extLst>
               <a:ext uri="{91240B29-F687-4f45-9708-019B960494DF}">
-                <a14:hiddenLine xmlns="" xmlns:a14="http://schemas.microsoft.com/office/drawing/2010/main" w="9525">
+                <a14:hiddenLine xmlns:a14="http://schemas.microsoft.com/office/drawing/2010/main" xmlns="" w="9525">
                   <a:solidFill>
                     <a:srgbClr val="000000"/>
                   </a:solidFill>
@@ -1061,7 +1061,7 @@
             </a:ln>
             <a:extLst>
               <a:ext uri="{91240B29-F687-4f45-9708-019B960494DF}">
-                <a14:hiddenLine xmlns="" xmlns:a14="http://schemas.microsoft.com/office/drawing/2010/main" w="9525">
+                <a14:hiddenLine xmlns:a14="http://schemas.microsoft.com/office/drawing/2010/main" xmlns="" w="9525">
                   <a:solidFill>
                     <a:srgbClr val="000000"/>
                   </a:solidFill>
@@ -1123,7 +1123,7 @@
             </a:ln>
             <a:extLst>
               <a:ext uri="{91240B29-F687-4f45-9708-019B960494DF}">
-                <a14:hiddenLine xmlns="" xmlns:a14="http://schemas.microsoft.com/office/drawing/2010/main" w="9525">
+                <a14:hiddenLine xmlns:a14="http://schemas.microsoft.com/office/drawing/2010/main" xmlns="" w="9525">
                   <a:solidFill>
                     <a:srgbClr val="000000"/>
                   </a:solidFill>
@@ -1233,7 +1233,7 @@
             </a:ln>
             <a:extLst>
               <a:ext uri="{91240B29-F687-4f45-9708-019B960494DF}">
-                <a14:hiddenLine xmlns="" xmlns:a14="http://schemas.microsoft.com/office/drawing/2010/main" w="9525">
+                <a14:hiddenLine xmlns:a14="http://schemas.microsoft.com/office/drawing/2010/main" xmlns="" w="9525">
                   <a:solidFill>
                     <a:srgbClr val="000000"/>
                   </a:solidFill>
@@ -1295,7 +1295,7 @@
             </a:ln>
             <a:extLst>
               <a:ext uri="{91240B29-F687-4f45-9708-019B960494DF}">
-                <a14:hiddenLine xmlns="" xmlns:a14="http://schemas.microsoft.com/office/drawing/2010/main" w="9525">
+                <a14:hiddenLine xmlns:a14="http://schemas.microsoft.com/office/drawing/2010/main" xmlns="" w="9525">
                   <a:solidFill>
                     <a:srgbClr val="000000"/>
                   </a:solidFill>
@@ -1385,7 +1385,7 @@
             </a:ln>
             <a:extLst>
               <a:ext uri="{91240B29-F687-4f45-9708-019B960494DF}">
-                <a14:hiddenLine xmlns="" xmlns:a14="http://schemas.microsoft.com/office/drawing/2010/main" w="9525">
+                <a14:hiddenLine xmlns:a14="http://schemas.microsoft.com/office/drawing/2010/main" xmlns="" w="9525">
                   <a:solidFill>
                     <a:srgbClr val="000000"/>
                   </a:solidFill>
@@ -1475,7 +1475,7 @@
             </a:ln>
             <a:extLst>
               <a:ext uri="{91240B29-F687-4f45-9708-019B960494DF}">
-                <a14:hiddenLine xmlns="" xmlns:a14="http://schemas.microsoft.com/office/drawing/2010/main" w="9525">
+                <a14:hiddenLine xmlns:a14="http://schemas.microsoft.com/office/drawing/2010/main" xmlns="" w="9525">
                   <a:solidFill>
                     <a:srgbClr val="000000"/>
                   </a:solidFill>
@@ -1537,7 +1537,7 @@
             </a:ln>
             <a:extLst>
               <a:ext uri="{91240B29-F687-4f45-9708-019B960494DF}">
-                <a14:hiddenLine xmlns="" xmlns:a14="http://schemas.microsoft.com/office/drawing/2010/main" w="9525">
+                <a14:hiddenLine xmlns:a14="http://schemas.microsoft.com/office/drawing/2010/main" xmlns="" w="9525">
                   <a:solidFill>
                     <a:srgbClr val="000000"/>
                   </a:solidFill>
@@ -1627,7 +1627,7 @@
             </a:ln>
             <a:extLst>
               <a:ext uri="{91240B29-F687-4f45-9708-019B960494DF}">
-                <a14:hiddenLine xmlns="" xmlns:a14="http://schemas.microsoft.com/office/drawing/2010/main" w="9525">
+                <a14:hiddenLine xmlns:a14="http://schemas.microsoft.com/office/drawing/2010/main" xmlns="" w="9525">
                   <a:solidFill>
                     <a:srgbClr val="000000"/>
                   </a:solidFill>
@@ -1717,7 +1717,7 @@
             </a:ln>
             <a:extLst>
               <a:ext uri="{91240B29-F687-4f45-9708-019B960494DF}">
-                <a14:hiddenLine xmlns="" xmlns:a14="http://schemas.microsoft.com/office/drawing/2010/main" w="9525">
+                <a14:hiddenLine xmlns:a14="http://schemas.microsoft.com/office/drawing/2010/main" xmlns="" w="9525">
                   <a:solidFill>
                     <a:srgbClr val="000000"/>
                   </a:solidFill>
@@ -1773,7 +1773,7 @@
             </a:ln>
             <a:extLst>
               <a:ext uri="{91240B29-F687-4f45-9708-019B960494DF}">
-                <a14:hiddenLine xmlns="" xmlns:a14="http://schemas.microsoft.com/office/drawing/2010/main" w="9525">
+                <a14:hiddenLine xmlns:a14="http://schemas.microsoft.com/office/drawing/2010/main" xmlns="" w="9525">
                   <a:solidFill>
                     <a:srgbClr val="000000"/>
                   </a:solidFill>
@@ -1863,7 +1863,7 @@
             </a:ln>
             <a:extLst>
               <a:ext uri="{91240B29-F687-4f45-9708-019B960494DF}">
-                <a14:hiddenLine xmlns="" xmlns:a14="http://schemas.microsoft.com/office/drawing/2010/main" w="9525">
+                <a14:hiddenLine xmlns:a14="http://schemas.microsoft.com/office/drawing/2010/main" xmlns="" w="9525">
                   <a:solidFill>
                     <a:srgbClr val="000000"/>
                   </a:solidFill>
@@ -1919,7 +1919,7 @@
             </a:ln>
             <a:extLst>
               <a:ext uri="{91240B29-F687-4f45-9708-019B960494DF}">
-                <a14:hiddenLine xmlns="" xmlns:a14="http://schemas.microsoft.com/office/drawing/2010/main" w="9525">
+                <a14:hiddenLine xmlns:a14="http://schemas.microsoft.com/office/drawing/2010/main" xmlns="" w="9525">
                   <a:solidFill>
                     <a:srgbClr val="000000"/>
                   </a:solidFill>
@@ -2009,7 +2009,7 @@
             </a:ln>
             <a:extLst>
               <a:ext uri="{91240B29-F687-4f45-9708-019B960494DF}">
-                <a14:hiddenLine xmlns="" xmlns:a14="http://schemas.microsoft.com/office/drawing/2010/main" w="9525">
+                <a14:hiddenLine xmlns:a14="http://schemas.microsoft.com/office/drawing/2010/main" xmlns="" w="9525">
                   <a:solidFill>
                     <a:srgbClr val="000000"/>
                   </a:solidFill>
@@ -2077,7 +2077,7 @@
             </a:ln>
             <a:extLst>
               <a:ext uri="{91240B29-F687-4f45-9708-019B960494DF}">
-                <a14:hiddenLine xmlns="" xmlns:a14="http://schemas.microsoft.com/office/drawing/2010/main" w="9525">
+                <a14:hiddenLine xmlns:a14="http://schemas.microsoft.com/office/drawing/2010/main" xmlns="" w="9525">
                   <a:solidFill>
                     <a:srgbClr val="000000"/>
                   </a:solidFill>
@@ -2167,7 +2167,7 @@
             </a:ln>
             <a:extLst>
               <a:ext uri="{91240B29-F687-4f45-9708-019B960494DF}">
-                <a14:hiddenLine xmlns="" xmlns:a14="http://schemas.microsoft.com/office/drawing/2010/main" w="9525">
+                <a14:hiddenLine xmlns:a14="http://schemas.microsoft.com/office/drawing/2010/main" xmlns="" w="9525">
                   <a:solidFill>
                     <a:srgbClr val="000000"/>
                   </a:solidFill>
@@ -2235,7 +2235,7 @@
             </a:ln>
             <a:extLst>
               <a:ext uri="{91240B29-F687-4f45-9708-019B960494DF}">
-                <a14:hiddenLine xmlns="" xmlns:a14="http://schemas.microsoft.com/office/drawing/2010/main" w="9525">
+                <a14:hiddenLine xmlns:a14="http://schemas.microsoft.com/office/drawing/2010/main" xmlns="" w="9525">
                   <a:solidFill>
                     <a:srgbClr val="000000"/>
                   </a:solidFill>
@@ -2325,7 +2325,7 @@
             </a:ln>
             <a:extLst>
               <a:ext uri="{91240B29-F687-4f45-9708-019B960494DF}">
-                <a14:hiddenLine xmlns="" xmlns:a14="http://schemas.microsoft.com/office/drawing/2010/main" w="9525">
+                <a14:hiddenLine xmlns:a14="http://schemas.microsoft.com/office/drawing/2010/main" xmlns="" w="9525">
                   <a:solidFill>
                     <a:srgbClr val="000000"/>
                   </a:solidFill>
@@ -2359,7 +2359,7 @@
             </a:ln>
             <a:extLst>
               <a:ext uri="{91240B29-F687-4f45-9708-019B960494DF}">
-                <a14:hiddenLine xmlns="" xmlns:a14="http://schemas.microsoft.com/office/drawing/2010/main" w="9525">
+                <a14:hiddenLine xmlns:a14="http://schemas.microsoft.com/office/drawing/2010/main" xmlns="" w="9525">
                   <a:solidFill>
                     <a:srgbClr val="000000"/>
                   </a:solidFill>
@@ -2449,7 +2449,7 @@
             </a:ln>
             <a:extLst>
               <a:ext uri="{91240B29-F687-4f45-9708-019B960494DF}">
-                <a14:hiddenLine xmlns="" xmlns:a14="http://schemas.microsoft.com/office/drawing/2010/main" w="9525">
+                <a14:hiddenLine xmlns:a14="http://schemas.microsoft.com/office/drawing/2010/main" xmlns="" w="9525">
                   <a:solidFill>
                     <a:srgbClr val="000000"/>
                   </a:solidFill>
@@ -2511,7 +2511,7 @@
             </a:ln>
             <a:extLst>
               <a:ext uri="{91240B29-F687-4f45-9708-019B960494DF}">
-                <a14:hiddenLine xmlns="" xmlns:a14="http://schemas.microsoft.com/office/drawing/2010/main" w="9525">
+                <a14:hiddenLine xmlns:a14="http://schemas.microsoft.com/office/drawing/2010/main" xmlns="" w="9525">
                   <a:solidFill>
                     <a:srgbClr val="000000"/>
                   </a:solidFill>
@@ -2573,7 +2573,7 @@
             </a:ln>
             <a:extLst>
               <a:ext uri="{91240B29-F687-4f45-9708-019B960494DF}">
-                <a14:hiddenLine xmlns="" xmlns:a14="http://schemas.microsoft.com/office/drawing/2010/main" w="9525">
+                <a14:hiddenLine xmlns:a14="http://schemas.microsoft.com/office/drawing/2010/main" xmlns="" w="9525">
                   <a:solidFill>
                     <a:srgbClr val="000000"/>
                   </a:solidFill>
@@ -2663,7 +2663,7 @@
             </a:ln>
             <a:extLst>
               <a:ext uri="{91240B29-F687-4f45-9708-019B960494DF}">
-                <a14:hiddenLine xmlns="" xmlns:a14="http://schemas.microsoft.com/office/drawing/2010/main" w="9525">
+                <a14:hiddenLine xmlns:a14="http://schemas.microsoft.com/office/drawing/2010/main" xmlns="" w="9525">
                   <a:solidFill>
                     <a:srgbClr val="000000"/>
                   </a:solidFill>
@@ -2731,7 +2731,7 @@
             </a:ln>
             <a:extLst>
               <a:ext uri="{91240B29-F687-4f45-9708-019B960494DF}">
-                <a14:hiddenLine xmlns="" xmlns:a14="http://schemas.microsoft.com/office/drawing/2010/main" w="9525">
+                <a14:hiddenLine xmlns:a14="http://schemas.microsoft.com/office/drawing/2010/main" xmlns="" w="9525">
                   <a:solidFill>
                     <a:srgbClr val="000000"/>
                   </a:solidFill>
@@ -2793,7 +2793,7 @@
             </a:ln>
             <a:extLst>
               <a:ext uri="{91240B29-F687-4f45-9708-019B960494DF}">
-                <a14:hiddenLine xmlns="" xmlns:a14="http://schemas.microsoft.com/office/drawing/2010/main" w="9525">
+                <a14:hiddenLine xmlns:a14="http://schemas.microsoft.com/office/drawing/2010/main" xmlns="" w="9525">
                   <a:solidFill>
                     <a:srgbClr val="000000"/>
                   </a:solidFill>
@@ -2883,7 +2883,7 @@
             </a:ln>
             <a:extLst>
               <a:ext uri="{91240B29-F687-4f45-9708-019B960494DF}">
-                <a14:hiddenLine xmlns="" xmlns:a14="http://schemas.microsoft.com/office/drawing/2010/main" w="9525">
+                <a14:hiddenLine xmlns:a14="http://schemas.microsoft.com/office/drawing/2010/main" xmlns="" w="9525">
                   <a:solidFill>
                     <a:srgbClr val="000000"/>
                   </a:solidFill>
@@ -2945,7 +2945,7 @@
             </a:ln>
             <a:extLst>
               <a:ext uri="{91240B29-F687-4f45-9708-019B960494DF}">
-                <a14:hiddenLine xmlns="" xmlns:a14="http://schemas.microsoft.com/office/drawing/2010/main" w="9525">
+                <a14:hiddenLine xmlns:a14="http://schemas.microsoft.com/office/drawing/2010/main" xmlns="" w="9525">
                   <a:solidFill>
                     <a:srgbClr val="000000"/>
                   </a:solidFill>
@@ -3035,7 +3035,7 @@
             </a:ln>
             <a:extLst>
               <a:ext uri="{91240B29-F687-4f45-9708-019B960494DF}">
-                <a14:hiddenLine xmlns="" xmlns:a14="http://schemas.microsoft.com/office/drawing/2010/main" w="9525">
+                <a14:hiddenLine xmlns:a14="http://schemas.microsoft.com/office/drawing/2010/main" xmlns="" w="9525">
                   <a:solidFill>
                     <a:srgbClr val="000000"/>
                   </a:solidFill>
@@ -3097,7 +3097,7 @@
             </a:ln>
             <a:extLst>
               <a:ext uri="{91240B29-F687-4f45-9708-019B960494DF}">
-                <a14:hiddenLine xmlns="" xmlns:a14="http://schemas.microsoft.com/office/drawing/2010/main" w="9525">
+                <a14:hiddenLine xmlns:a14="http://schemas.microsoft.com/office/drawing/2010/main" xmlns="" w="9525">
                   <a:solidFill>
                     <a:srgbClr val="000000"/>
                   </a:solidFill>
@@ -3187,7 +3187,7 @@
             </a:ln>
             <a:extLst>
               <a:ext uri="{91240B29-F687-4f45-9708-019B960494DF}">
-                <a14:hiddenLine xmlns="" xmlns:a14="http://schemas.microsoft.com/office/drawing/2010/main" w="9525">
+                <a14:hiddenLine xmlns:a14="http://schemas.microsoft.com/office/drawing/2010/main" xmlns="" w="9525">
                   <a:solidFill>
                     <a:srgbClr val="000000"/>
                   </a:solidFill>
@@ -3221,7 +3221,7 @@
             </a:ln>
             <a:extLst>
               <a:ext uri="{91240B29-F687-4f45-9708-019B960494DF}">
-                <a14:hiddenLine xmlns="" xmlns:a14="http://schemas.microsoft.com/office/drawing/2010/main" w="9525">
+                <a14:hiddenLine xmlns:a14="http://schemas.microsoft.com/office/drawing/2010/main" xmlns="" w="9525">
                   <a:solidFill>
                     <a:srgbClr val="000000"/>
                   </a:solidFill>
@@ -3286,7 +3286,7 @@
             </a:ln>
             <a:extLst>
               <a:ext uri="{91240B29-F687-4f45-9708-019B960494DF}">
-                <a14:hiddenLine xmlns="" xmlns:a14="http://schemas.microsoft.com/office/drawing/2010/main" w="9525">
+                <a14:hiddenLine xmlns:a14="http://schemas.microsoft.com/office/drawing/2010/main" xmlns="" w="9525">
                   <a:solidFill>
                     <a:srgbClr val="000000"/>
                   </a:solidFill>
@@ -3376,7 +3376,7 @@
             </a:ln>
             <a:extLst>
               <a:ext uri="{91240B29-F687-4f45-9708-019B960494DF}">
-                <a14:hiddenLine xmlns="" xmlns:a14="http://schemas.microsoft.com/office/drawing/2010/main" w="9525">
+                <a14:hiddenLine xmlns:a14="http://schemas.microsoft.com/office/drawing/2010/main" xmlns="" w="9525">
                   <a:solidFill>
                     <a:srgbClr val="000000"/>
                   </a:solidFill>
@@ -3438,7 +3438,7 @@
             </a:ln>
             <a:extLst>
               <a:ext uri="{91240B29-F687-4f45-9708-019B960494DF}">
-                <a14:hiddenLine xmlns="" xmlns:a14="http://schemas.microsoft.com/office/drawing/2010/main" w="9525">
+                <a14:hiddenLine xmlns:a14="http://schemas.microsoft.com/office/drawing/2010/main" xmlns="" w="9525">
                   <a:solidFill>
                     <a:srgbClr val="000000"/>
                   </a:solidFill>
@@ -3528,7 +3528,7 @@
             </a:ln>
             <a:extLst>
               <a:ext uri="{91240B29-F687-4f45-9708-019B960494DF}">
-                <a14:hiddenLine xmlns="" xmlns:a14="http://schemas.microsoft.com/office/drawing/2010/main" w="9525">
+                <a14:hiddenLine xmlns:a14="http://schemas.microsoft.com/office/drawing/2010/main" xmlns="" w="9525">
                   <a:solidFill>
                     <a:srgbClr val="000000"/>
                   </a:solidFill>
@@ -3618,7 +3618,7 @@
             </a:ln>
             <a:extLst>
               <a:ext uri="{91240B29-F687-4f45-9708-019B960494DF}">
-                <a14:hiddenLine xmlns="" xmlns:a14="http://schemas.microsoft.com/office/drawing/2010/main" w="9525">
+                <a14:hiddenLine xmlns:a14="http://schemas.microsoft.com/office/drawing/2010/main" xmlns="" w="9525">
                   <a:solidFill>
                     <a:srgbClr val="000000"/>
                   </a:solidFill>
@@ -3683,7 +3683,7 @@
             </a:ln>
             <a:extLst>
               <a:ext uri="{91240B29-F687-4f45-9708-019B960494DF}">
-                <a14:hiddenLine xmlns="" xmlns:a14="http://schemas.microsoft.com/office/drawing/2010/main" w="9525">
+                <a14:hiddenLine xmlns:a14="http://schemas.microsoft.com/office/drawing/2010/main" xmlns="" w="9525">
                   <a:solidFill>
                     <a:srgbClr val="000000"/>
                   </a:solidFill>
@@ -3745,7 +3745,7 @@
             </a:ln>
             <a:extLst>
               <a:ext uri="{91240B29-F687-4f45-9708-019B960494DF}">
-                <a14:hiddenLine xmlns="" xmlns:a14="http://schemas.microsoft.com/office/drawing/2010/main" w="9525">
+                <a14:hiddenLine xmlns:a14="http://schemas.microsoft.com/office/drawing/2010/main" xmlns="" w="9525">
                   <a:solidFill>
                     <a:srgbClr val="000000"/>
                   </a:solidFill>
@@ -3835,7 +3835,7 @@
             </a:ln>
             <a:extLst>
               <a:ext uri="{91240B29-F687-4f45-9708-019B960494DF}">
-                <a14:hiddenLine xmlns="" xmlns:a14="http://schemas.microsoft.com/office/drawing/2010/main" w="9525">
+                <a14:hiddenLine xmlns:a14="http://schemas.microsoft.com/office/drawing/2010/main" xmlns="" w="9525">
                   <a:solidFill>
                     <a:srgbClr val="000000"/>
                   </a:solidFill>
@@ -3925,7 +3925,7 @@
             </a:ln>
             <a:extLst>
               <a:ext uri="{91240B29-F687-4f45-9708-019B960494DF}">
-                <a14:hiddenLine xmlns="" xmlns:a14="http://schemas.microsoft.com/office/drawing/2010/main" w="9525">
+                <a14:hiddenLine xmlns:a14="http://schemas.microsoft.com/office/drawing/2010/main" xmlns="" w="9525">
                   <a:solidFill>
                     <a:srgbClr val="000000"/>
                   </a:solidFill>
@@ -3987,7 +3987,7 @@
             </a:ln>
             <a:extLst>
               <a:ext uri="{91240B29-F687-4f45-9708-019B960494DF}">
-                <a14:hiddenLine xmlns="" xmlns:a14="http://schemas.microsoft.com/office/drawing/2010/main" w="9525">
+                <a14:hiddenLine xmlns:a14="http://schemas.microsoft.com/office/drawing/2010/main" xmlns="" w="9525">
                   <a:solidFill>
                     <a:srgbClr val="000000"/>
                   </a:solidFill>
@@ -4107,7 +4107,7 @@
             </a:ln>
             <a:extLst>
               <a:ext uri="{91240B29-F687-4f45-9708-019B960494DF}">
-                <a14:hiddenLine xmlns="" xmlns:a14="http://schemas.microsoft.com/office/drawing/2010/main" w="9525">
+                <a14:hiddenLine xmlns:a14="http://schemas.microsoft.com/office/drawing/2010/main" xmlns="" w="9525">
                   <a:solidFill>
                     <a:srgbClr val="000000"/>
                   </a:solidFill>
@@ -4175,7 +4175,7 @@
             </a:ln>
             <a:extLst>
               <a:ext uri="{91240B29-F687-4f45-9708-019B960494DF}">
-                <a14:hiddenLine xmlns="" xmlns:a14="http://schemas.microsoft.com/office/drawing/2010/main" w="9525">
+                <a14:hiddenLine xmlns:a14="http://schemas.microsoft.com/office/drawing/2010/main" xmlns="" w="9525">
                   <a:solidFill>
                     <a:srgbClr val="000000"/>
                   </a:solidFill>
@@ -4265,7 +4265,7 @@
             </a:ln>
             <a:extLst>
               <a:ext uri="{91240B29-F687-4f45-9708-019B960494DF}">
-                <a14:hiddenLine xmlns="" xmlns:a14="http://schemas.microsoft.com/office/drawing/2010/main" w="9525">
+                <a14:hiddenLine xmlns:a14="http://schemas.microsoft.com/office/drawing/2010/main" xmlns="" w="9525">
                   <a:solidFill>
                     <a:srgbClr val="000000"/>
                   </a:solidFill>
@@ -9136,7 +9136,7 @@
           <a:noFill/>
           <a:extLst>
             <a:ext uri="{909E8E84-426E-40dd-AFC4-6F175D3DCCD1}">
-              <a14:hiddenFill xmlns="" xmlns:a14="http://schemas.microsoft.com/office/drawing/2010/main">
+              <a14:hiddenFill xmlns:a14="http://schemas.microsoft.com/office/drawing/2010/main" xmlns="">
                 <a:solidFill>
                   <a:srgbClr val="FFFFFF"/>
                 </a:solidFill>
@@ -9210,7 +9210,7 @@
               </a:ln>
               <a:extLst>
                 <a:ext uri="{91240B29-F687-4f45-9708-019B960494DF}">
-                  <a14:hiddenLine xmlns="" xmlns:a14="http://schemas.microsoft.com/office/drawing/2010/main" w="9525">
+                  <a14:hiddenLine xmlns:a14="http://schemas.microsoft.com/office/drawing/2010/main" xmlns="" w="9525">
                     <a:solidFill>
                       <a:srgbClr val="000000"/>
                     </a:solidFill>
@@ -9300,7 +9300,7 @@
               </a:ln>
               <a:extLst>
                 <a:ext uri="{91240B29-F687-4f45-9708-019B960494DF}">
-                  <a14:hiddenLine xmlns="" xmlns:a14="http://schemas.microsoft.com/office/drawing/2010/main" w="9525">
+                  <a14:hiddenLine xmlns:a14="http://schemas.microsoft.com/office/drawing/2010/main" xmlns="" w="9525">
                     <a:solidFill>
                       <a:srgbClr val="000000"/>
                     </a:solidFill>
@@ -9390,7 +9390,7 @@
               </a:ln>
               <a:extLst>
                 <a:ext uri="{91240B29-F687-4f45-9708-019B960494DF}">
-                  <a14:hiddenLine xmlns="" xmlns:a14="http://schemas.microsoft.com/office/drawing/2010/main" w="9525">
+                  <a14:hiddenLine xmlns:a14="http://schemas.microsoft.com/office/drawing/2010/main" xmlns="" w="9525">
                     <a:solidFill>
                       <a:srgbClr val="000000"/>
                     </a:solidFill>
@@ -9452,7 +9452,7 @@
               </a:ln>
               <a:extLst>
                 <a:ext uri="{91240B29-F687-4f45-9708-019B960494DF}">
-                  <a14:hiddenLine xmlns="" xmlns:a14="http://schemas.microsoft.com/office/drawing/2010/main" w="9525">
+                  <a14:hiddenLine xmlns:a14="http://schemas.microsoft.com/office/drawing/2010/main" xmlns="" w="9525">
                     <a:solidFill>
                       <a:srgbClr val="000000"/>
                     </a:solidFill>
@@ -9542,7 +9542,7 @@
               </a:ln>
               <a:extLst>
                 <a:ext uri="{91240B29-F687-4f45-9708-019B960494DF}">
-                  <a14:hiddenLine xmlns="" xmlns:a14="http://schemas.microsoft.com/office/drawing/2010/main" w="9525">
+                  <a14:hiddenLine xmlns:a14="http://schemas.microsoft.com/office/drawing/2010/main" xmlns="" w="9525">
                     <a:solidFill>
                       <a:srgbClr val="000000"/>
                     </a:solidFill>
@@ -9604,7 +9604,7 @@
               </a:ln>
               <a:extLst>
                 <a:ext uri="{91240B29-F687-4f45-9708-019B960494DF}">
-                  <a14:hiddenLine xmlns="" xmlns:a14="http://schemas.microsoft.com/office/drawing/2010/main" w="9525">
+                  <a14:hiddenLine xmlns:a14="http://schemas.microsoft.com/office/drawing/2010/main" xmlns="" w="9525">
                     <a:solidFill>
                       <a:srgbClr val="000000"/>
                     </a:solidFill>
@@ -9666,7 +9666,7 @@
               </a:ln>
               <a:extLst>
                 <a:ext uri="{91240B29-F687-4f45-9708-019B960494DF}">
-                  <a14:hiddenLine xmlns="" xmlns:a14="http://schemas.microsoft.com/office/drawing/2010/main" w="9525">
+                  <a14:hiddenLine xmlns:a14="http://schemas.microsoft.com/office/drawing/2010/main" xmlns="" w="9525">
                     <a:solidFill>
                       <a:srgbClr val="000000"/>
                     </a:solidFill>
@@ -9756,7 +9756,7 @@
               </a:ln>
               <a:extLst>
                 <a:ext uri="{91240B29-F687-4f45-9708-019B960494DF}">
-                  <a14:hiddenLine xmlns="" xmlns:a14="http://schemas.microsoft.com/office/drawing/2010/main" w="9525">
+                  <a14:hiddenLine xmlns:a14="http://schemas.microsoft.com/office/drawing/2010/main" xmlns="" w="9525">
                     <a:solidFill>
                       <a:srgbClr val="000000"/>
                     </a:solidFill>
@@ -9846,7 +9846,7 @@
               </a:ln>
               <a:extLst>
                 <a:ext uri="{91240B29-F687-4f45-9708-019B960494DF}">
-                  <a14:hiddenLine xmlns="" xmlns:a14="http://schemas.microsoft.com/office/drawing/2010/main" w="9525">
+                  <a14:hiddenLine xmlns:a14="http://schemas.microsoft.com/office/drawing/2010/main" xmlns="" w="9525">
                     <a:solidFill>
                       <a:srgbClr val="000000"/>
                     </a:solidFill>
@@ -9908,7 +9908,7 @@
               </a:ln>
               <a:extLst>
                 <a:ext uri="{91240B29-F687-4f45-9708-019B960494DF}">
-                  <a14:hiddenLine xmlns="" xmlns:a14="http://schemas.microsoft.com/office/drawing/2010/main" w="9525">
+                  <a14:hiddenLine xmlns:a14="http://schemas.microsoft.com/office/drawing/2010/main" xmlns="" w="9525">
                     <a:solidFill>
                       <a:srgbClr val="000000"/>
                     </a:solidFill>
@@ -10018,7 +10018,7 @@
               </a:ln>
               <a:extLst>
                 <a:ext uri="{91240B29-F687-4f45-9708-019B960494DF}">
-                  <a14:hiddenLine xmlns="" xmlns:a14="http://schemas.microsoft.com/office/drawing/2010/main" w="9525">
+                  <a14:hiddenLine xmlns:a14="http://schemas.microsoft.com/office/drawing/2010/main" xmlns="" w="9525">
                     <a:solidFill>
                       <a:srgbClr val="000000"/>
                     </a:solidFill>
@@ -10102,7 +10102,7 @@
               </a:ln>
               <a:extLst>
                 <a:ext uri="{91240B29-F687-4f45-9708-019B960494DF}">
-                  <a14:hiddenLine xmlns="" xmlns:a14="http://schemas.microsoft.com/office/drawing/2010/main" w="9525">
+                  <a14:hiddenLine xmlns:a14="http://schemas.microsoft.com/office/drawing/2010/main" xmlns="" w="9525">
                     <a:solidFill>
                       <a:srgbClr val="000000"/>
                     </a:solidFill>
@@ -10164,7 +10164,7 @@
               </a:ln>
               <a:extLst>
                 <a:ext uri="{91240B29-F687-4f45-9708-019B960494DF}">
-                  <a14:hiddenLine xmlns="" xmlns:a14="http://schemas.microsoft.com/office/drawing/2010/main" w="9525">
+                  <a14:hiddenLine xmlns:a14="http://schemas.microsoft.com/office/drawing/2010/main" xmlns="" w="9525">
                     <a:solidFill>
                       <a:srgbClr val="000000"/>
                     </a:solidFill>
@@ -10226,7 +10226,7 @@
               </a:ln>
               <a:extLst>
                 <a:ext uri="{91240B29-F687-4f45-9708-019B960494DF}">
-                  <a14:hiddenLine xmlns="" xmlns:a14="http://schemas.microsoft.com/office/drawing/2010/main" w="9525">
+                  <a14:hiddenLine xmlns:a14="http://schemas.microsoft.com/office/drawing/2010/main" xmlns="" w="9525">
                     <a:solidFill>
                       <a:srgbClr val="000000"/>
                     </a:solidFill>
@@ -10316,7 +10316,7 @@
               </a:ln>
               <a:extLst>
                 <a:ext uri="{91240B29-F687-4f45-9708-019B960494DF}">
-                  <a14:hiddenLine xmlns="" xmlns:a14="http://schemas.microsoft.com/office/drawing/2010/main" w="9525">
+                  <a14:hiddenLine xmlns:a14="http://schemas.microsoft.com/office/drawing/2010/main" xmlns="" w="9525">
                     <a:solidFill>
                       <a:srgbClr val="000000"/>
                     </a:solidFill>
@@ -10350,7 +10350,7 @@
               </a:ln>
               <a:extLst>
                 <a:ext uri="{91240B29-F687-4f45-9708-019B960494DF}">
-                  <a14:hiddenLine xmlns="" xmlns:a14="http://schemas.microsoft.com/office/drawing/2010/main" w="9525">
+                  <a14:hiddenLine xmlns:a14="http://schemas.microsoft.com/office/drawing/2010/main" xmlns="" w="9525">
                     <a:solidFill>
                       <a:srgbClr val="000000"/>
                     </a:solidFill>
@@ -10415,7 +10415,7 @@
               </a:ln>
               <a:extLst>
                 <a:ext uri="{91240B29-F687-4f45-9708-019B960494DF}">
-                  <a14:hiddenLine xmlns="" xmlns:a14="http://schemas.microsoft.com/office/drawing/2010/main" w="9525">
+                  <a14:hiddenLine xmlns:a14="http://schemas.microsoft.com/office/drawing/2010/main" xmlns="" w="9525">
                     <a:solidFill>
                       <a:srgbClr val="000000"/>
                     </a:solidFill>
@@ -10505,7 +10505,7 @@
               </a:ln>
               <a:extLst>
                 <a:ext uri="{91240B29-F687-4f45-9708-019B960494DF}">
-                  <a14:hiddenLine xmlns="" xmlns:a14="http://schemas.microsoft.com/office/drawing/2010/main" w="9525">
+                  <a14:hiddenLine xmlns:a14="http://schemas.microsoft.com/office/drawing/2010/main" xmlns="" w="9525">
                     <a:solidFill>
                       <a:srgbClr val="000000"/>
                     </a:solidFill>
@@ -10567,7 +10567,7 @@
               </a:ln>
               <a:extLst>
                 <a:ext uri="{91240B29-F687-4f45-9708-019B960494DF}">
-                  <a14:hiddenLine xmlns="" xmlns:a14="http://schemas.microsoft.com/office/drawing/2010/main" w="9525">
+                  <a14:hiddenLine xmlns:a14="http://schemas.microsoft.com/office/drawing/2010/main" xmlns="" w="9525">
                     <a:solidFill>
                       <a:srgbClr val="000000"/>
                     </a:solidFill>
@@ -10657,7 +10657,7 @@
               </a:ln>
               <a:extLst>
                 <a:ext uri="{91240B29-F687-4f45-9708-019B960494DF}">
-                  <a14:hiddenLine xmlns="" xmlns:a14="http://schemas.microsoft.com/office/drawing/2010/main" w="9525">
+                  <a14:hiddenLine xmlns:a14="http://schemas.microsoft.com/office/drawing/2010/main" xmlns="" w="9525">
                     <a:solidFill>
                       <a:srgbClr val="000000"/>
                     </a:solidFill>
@@ -10722,7 +10722,7 @@
               </a:ln>
               <a:extLst>
                 <a:ext uri="{91240B29-F687-4f45-9708-019B960494DF}">
-                  <a14:hiddenLine xmlns="" xmlns:a14="http://schemas.microsoft.com/office/drawing/2010/main" w="9525">
+                  <a14:hiddenLine xmlns:a14="http://schemas.microsoft.com/office/drawing/2010/main" xmlns="" w="9525">
                     <a:solidFill>
                       <a:srgbClr val="000000"/>
                     </a:solidFill>
@@ -10784,7 +10784,7 @@
               </a:ln>
               <a:extLst>
                 <a:ext uri="{91240B29-F687-4f45-9708-019B960494DF}">
-                  <a14:hiddenLine xmlns="" xmlns:a14="http://schemas.microsoft.com/office/drawing/2010/main" w="9525">
+                  <a14:hiddenLine xmlns:a14="http://schemas.microsoft.com/office/drawing/2010/main" xmlns="" w="9525">
                     <a:solidFill>
                       <a:srgbClr val="000000"/>
                     </a:solidFill>
@@ -10874,7 +10874,7 @@
               </a:ln>
               <a:extLst>
                 <a:ext uri="{91240B29-F687-4f45-9708-019B960494DF}">
-                  <a14:hiddenLine xmlns="" xmlns:a14="http://schemas.microsoft.com/office/drawing/2010/main" w="9525">
+                  <a14:hiddenLine xmlns:a14="http://schemas.microsoft.com/office/drawing/2010/main" xmlns="" w="9525">
                     <a:solidFill>
                       <a:srgbClr val="000000"/>
                     </a:solidFill>
@@ -10964,7 +10964,7 @@
               </a:ln>
               <a:extLst>
                 <a:ext uri="{91240B29-F687-4f45-9708-019B960494DF}">
-                  <a14:hiddenLine xmlns="" xmlns:a14="http://schemas.microsoft.com/office/drawing/2010/main" w="9525">
+                  <a14:hiddenLine xmlns:a14="http://schemas.microsoft.com/office/drawing/2010/main" xmlns="" w="9525">
                     <a:solidFill>
                       <a:srgbClr val="000000"/>
                     </a:solidFill>
@@ -11029,7 +11029,7 @@
               </a:ln>
               <a:extLst>
                 <a:ext uri="{91240B29-F687-4f45-9708-019B960494DF}">
-                  <a14:hiddenLine xmlns="" xmlns:a14="http://schemas.microsoft.com/office/drawing/2010/main" w="9525">
+                  <a14:hiddenLine xmlns:a14="http://schemas.microsoft.com/office/drawing/2010/main" xmlns="" w="9525">
                     <a:solidFill>
                       <a:srgbClr val="000000"/>
                     </a:solidFill>
@@ -11149,7 +11149,7 @@
               </a:ln>
               <a:extLst>
                 <a:ext uri="{91240B29-F687-4f45-9708-019B960494DF}">
-                  <a14:hiddenLine xmlns="" xmlns:a14="http://schemas.microsoft.com/office/drawing/2010/main" w="9525">
+                  <a14:hiddenLine xmlns:a14="http://schemas.microsoft.com/office/drawing/2010/main" xmlns="" w="9525">
                     <a:solidFill>
                       <a:srgbClr val="000000"/>
                     </a:solidFill>
@@ -11230,7 +11230,7 @@
               </a:ln>
               <a:extLst>
                 <a:ext uri="{91240B29-F687-4f45-9708-019B960494DF}">
-                  <a14:hiddenLine xmlns="" xmlns:a14="http://schemas.microsoft.com/office/drawing/2010/main" w="9525">
+                  <a14:hiddenLine xmlns:a14="http://schemas.microsoft.com/office/drawing/2010/main" xmlns="" w="9525">
                     <a:solidFill>
                       <a:srgbClr val="000000"/>
                     </a:solidFill>
@@ -11345,7 +11345,7 @@
               </a:ln>
               <a:extLst>
                 <a:ext uri="{91240B29-F687-4f45-9708-019B960494DF}">
-                  <a14:hiddenLine xmlns="" xmlns:a14="http://schemas.microsoft.com/office/drawing/2010/main" w="9525">
+                  <a14:hiddenLine xmlns:a14="http://schemas.microsoft.com/office/drawing/2010/main" xmlns="" w="9525">
                     <a:solidFill>
                       <a:srgbClr val="000000"/>
                     </a:solidFill>
@@ -11435,7 +11435,7 @@
               </a:ln>
               <a:extLst>
                 <a:ext uri="{91240B29-F687-4f45-9708-019B960494DF}">
-                  <a14:hiddenLine xmlns="" xmlns:a14="http://schemas.microsoft.com/office/drawing/2010/main" w="9525">
+                  <a14:hiddenLine xmlns:a14="http://schemas.microsoft.com/office/drawing/2010/main" xmlns="" w="9525">
                     <a:solidFill>
                       <a:srgbClr val="000000"/>
                     </a:solidFill>
@@ -11500,7 +11500,7 @@
               </a:ln>
               <a:extLst>
                 <a:ext uri="{91240B29-F687-4f45-9708-019B960494DF}">
-                  <a14:hiddenLine xmlns="" xmlns:a14="http://schemas.microsoft.com/office/drawing/2010/main" w="9525">
+                  <a14:hiddenLine xmlns:a14="http://schemas.microsoft.com/office/drawing/2010/main" xmlns="" w="9525">
                     <a:solidFill>
                       <a:srgbClr val="000000"/>
                     </a:solidFill>
@@ -11590,7 +11590,7 @@
               </a:ln>
               <a:extLst>
                 <a:ext uri="{91240B29-F687-4f45-9708-019B960494DF}">
-                  <a14:hiddenLine xmlns="" xmlns:a14="http://schemas.microsoft.com/office/drawing/2010/main" w="9525">
+                  <a14:hiddenLine xmlns:a14="http://schemas.microsoft.com/office/drawing/2010/main" xmlns="" w="9525">
                     <a:solidFill>
                       <a:srgbClr val="000000"/>
                     </a:solidFill>
@@ -11658,7 +11658,7 @@
               </a:ln>
               <a:extLst>
                 <a:ext uri="{91240B29-F687-4f45-9708-019B960494DF}">
-                  <a14:hiddenLine xmlns="" xmlns:a14="http://schemas.microsoft.com/office/drawing/2010/main" w="9525">
+                  <a14:hiddenLine xmlns:a14="http://schemas.microsoft.com/office/drawing/2010/main" xmlns="" w="9525">
                     <a:solidFill>
                       <a:srgbClr val="000000"/>
                     </a:solidFill>
@@ -11748,7 +11748,7 @@
               </a:ln>
               <a:extLst>
                 <a:ext uri="{91240B29-F687-4f45-9708-019B960494DF}">
-                  <a14:hiddenLine xmlns="" xmlns:a14="http://schemas.microsoft.com/office/drawing/2010/main" w="9525">
+                  <a14:hiddenLine xmlns:a14="http://schemas.microsoft.com/office/drawing/2010/main" xmlns="" w="9525">
                     <a:solidFill>
                       <a:srgbClr val="000000"/>
                     </a:solidFill>
@@ -11816,7 +11816,7 @@
               </a:ln>
               <a:extLst>
                 <a:ext uri="{91240B29-F687-4f45-9708-019B960494DF}">
-                  <a14:hiddenLine xmlns="" xmlns:a14="http://schemas.microsoft.com/office/drawing/2010/main" w="9525">
+                  <a14:hiddenLine xmlns:a14="http://schemas.microsoft.com/office/drawing/2010/main" xmlns="" w="9525">
                     <a:solidFill>
                       <a:srgbClr val="000000"/>
                     </a:solidFill>
@@ -11906,7 +11906,7 @@
               </a:ln>
               <a:extLst>
                 <a:ext uri="{91240B29-F687-4f45-9708-019B960494DF}">
-                  <a14:hiddenLine xmlns="" xmlns:a14="http://schemas.microsoft.com/office/drawing/2010/main" w="9525">
+                  <a14:hiddenLine xmlns:a14="http://schemas.microsoft.com/office/drawing/2010/main" xmlns="" w="9525">
                     <a:solidFill>
                       <a:srgbClr val="000000"/>
                     </a:solidFill>
@@ -11940,7 +11940,7 @@
               </a:ln>
               <a:extLst>
                 <a:ext uri="{91240B29-F687-4f45-9708-019B960494DF}">
-                  <a14:hiddenLine xmlns="" xmlns:a14="http://schemas.microsoft.com/office/drawing/2010/main" w="9525">
+                  <a14:hiddenLine xmlns:a14="http://schemas.microsoft.com/office/drawing/2010/main" xmlns="" w="9525">
                     <a:solidFill>
                       <a:srgbClr val="000000"/>
                     </a:solidFill>
@@ -14087,7 +14087,7 @@
         </p:spPr>
         <p:txBody>
           <a:bodyPr>
-            <a:normAutofit/>
+            <a:normAutofit fontScale="92500" lnSpcReduction="10000"/>
           </a:bodyPr>
           <a:lstStyle/>
           <a:p>
@@ -14099,21 +14099,8 @@
           <a:p>
             <a:r>
               <a:rPr lang="en-US" dirty="0"/>
-              <a:t>Each success by the player increases the score on HEX0 by either 1 or 2 since random </a:t>
+              <a:t>Each success by the player increases the score on HEX0 by either 1 or 2 since RNG is a fun mechanic.</a:t>
             </a:r>
-            <a:r>
-              <a:rPr lang="en-US" dirty="0" err="1"/>
-              <a:t>crits</a:t>
-            </a:r>
-            <a:r>
-              <a:rPr lang="en-US" dirty="0"/>
-              <a:t> are fair </a:t>
-            </a:r>
-            <a:r>
-              <a:rPr lang="en-US"/>
-              <a:t>and balanced.</a:t>
-            </a:r>
-            <a:endParaRPr lang="en-US" dirty="0"/>
           </a:p>
           <a:p>
             <a:r>
@@ -14136,8 +14123,13 @@
           <a:p>
             <a:r>
               <a:rPr lang="en-US" dirty="0"/>
-              <a:t>The GPIO Output light turns on when you lose.</a:t>
+              <a:t>The GPIO Output light turns on when you lose. When you get a score of 16 you win and then the game resets to 0 points, but your health stays the same. </a:t>
             </a:r>
+            <a:r>
+              <a:rPr lang="en-US"/>
+              <a:t>New Game +.</a:t>
+            </a:r>
+            <a:endParaRPr lang="en-US" dirty="0"/>
           </a:p>
         </p:txBody>
       </p:sp>
